--- a/翻转课堂4.pptx
+++ b/翻转课堂4.pptx
@@ -242,7 +242,7 @@
           <a:p>
             <a:fld id="{E9C7C8D6-8378-491C-A88C-F5C0F1DDB3DF}" type="datetimeFigureOut">
               <a:rPr lang="zh-CN" altLang="en-US" smtClean="0"/>
-              <a:t>2022/4/3</a:t>
+              <a:t>2022/4/6</a:t>
             </a:fld>
             <a:endParaRPr lang="zh-CN" altLang="en-US"/>
           </a:p>
@@ -3344,7 +3344,7 @@
           <a:p>
             <a:fld id="{EE4C556E-D11A-48D7-81C0-B1B5323EC136}" type="datetimeFigureOut">
               <a:rPr lang="zh-CN" altLang="en-US" smtClean="0"/>
-              <a:t>2022/4/3</a:t>
+              <a:t>2022/4/6</a:t>
             </a:fld>
             <a:endParaRPr lang="zh-CN" altLang="en-US"/>
           </a:p>
@@ -3542,7 +3542,7 @@
           <a:p>
             <a:fld id="{EE4C556E-D11A-48D7-81C0-B1B5323EC136}" type="datetimeFigureOut">
               <a:rPr lang="zh-CN" altLang="en-US" smtClean="0"/>
-              <a:t>2022/4/3</a:t>
+              <a:t>2022/4/6</a:t>
             </a:fld>
             <a:endParaRPr lang="zh-CN" altLang="en-US"/>
           </a:p>
@@ -3750,7 +3750,7 @@
           <a:p>
             <a:fld id="{EE4C556E-D11A-48D7-81C0-B1B5323EC136}" type="datetimeFigureOut">
               <a:rPr lang="zh-CN" altLang="en-US" smtClean="0"/>
-              <a:t>2022/4/3</a:t>
+              <a:t>2022/4/6</a:t>
             </a:fld>
             <a:endParaRPr lang="zh-CN" altLang="en-US"/>
           </a:p>
@@ -3948,7 +3948,7 @@
           <a:p>
             <a:fld id="{EE4C556E-D11A-48D7-81C0-B1B5323EC136}" type="datetimeFigureOut">
               <a:rPr lang="zh-CN" altLang="en-US" smtClean="0"/>
-              <a:t>2022/4/3</a:t>
+              <a:t>2022/4/6</a:t>
             </a:fld>
             <a:endParaRPr lang="zh-CN" altLang="en-US"/>
           </a:p>
@@ -4223,7 +4223,7 @@
           <a:p>
             <a:fld id="{EE4C556E-D11A-48D7-81C0-B1B5323EC136}" type="datetimeFigureOut">
               <a:rPr lang="zh-CN" altLang="en-US" smtClean="0"/>
-              <a:t>2022/4/3</a:t>
+              <a:t>2022/4/6</a:t>
             </a:fld>
             <a:endParaRPr lang="zh-CN" altLang="en-US"/>
           </a:p>
@@ -4488,7 +4488,7 @@
           <a:p>
             <a:fld id="{EE4C556E-D11A-48D7-81C0-B1B5323EC136}" type="datetimeFigureOut">
               <a:rPr lang="zh-CN" altLang="en-US" smtClean="0"/>
-              <a:t>2022/4/3</a:t>
+              <a:t>2022/4/6</a:t>
             </a:fld>
             <a:endParaRPr lang="zh-CN" altLang="en-US"/>
           </a:p>
@@ -5460,7 +5460,7 @@
           <a:p>
             <a:fld id="{EE4C556E-D11A-48D7-81C0-B1B5323EC136}" type="datetimeFigureOut">
               <a:rPr lang="zh-CN" altLang="en-US" smtClean="0"/>
-              <a:t>2022/4/3</a:t>
+              <a:t>2022/4/6</a:t>
             </a:fld>
             <a:endParaRPr lang="zh-CN" altLang="en-US"/>
           </a:p>
@@ -5601,7 +5601,7 @@
           <a:p>
             <a:fld id="{EE4C556E-D11A-48D7-81C0-B1B5323EC136}" type="datetimeFigureOut">
               <a:rPr lang="zh-CN" altLang="en-US" smtClean="0"/>
-              <a:t>2022/4/3</a:t>
+              <a:t>2022/4/6</a:t>
             </a:fld>
             <a:endParaRPr lang="zh-CN" altLang="en-US"/>
           </a:p>
@@ -5714,7 +5714,7 @@
           <a:p>
             <a:fld id="{EE4C556E-D11A-48D7-81C0-B1B5323EC136}" type="datetimeFigureOut">
               <a:rPr lang="zh-CN" altLang="en-US" smtClean="0"/>
-              <a:t>2022/4/3</a:t>
+              <a:t>2022/4/6</a:t>
             </a:fld>
             <a:endParaRPr lang="zh-CN" altLang="en-US"/>
           </a:p>
@@ -6025,7 +6025,7 @@
           <a:p>
             <a:fld id="{EE4C556E-D11A-48D7-81C0-B1B5323EC136}" type="datetimeFigureOut">
               <a:rPr lang="zh-CN" altLang="en-US" smtClean="0"/>
-              <a:t>2022/4/3</a:t>
+              <a:t>2022/4/6</a:t>
             </a:fld>
             <a:endParaRPr lang="zh-CN" altLang="en-US"/>
           </a:p>
@@ -6313,7 +6313,7 @@
           <a:p>
             <a:fld id="{EE4C556E-D11A-48D7-81C0-B1B5323EC136}" type="datetimeFigureOut">
               <a:rPr lang="zh-CN" altLang="en-US" smtClean="0"/>
-              <a:t>2022/4/3</a:t>
+              <a:t>2022/4/6</a:t>
             </a:fld>
             <a:endParaRPr lang="zh-CN" altLang="en-US"/>
           </a:p>
@@ -6557,7 +6557,7 @@
           <a:p>
             <a:fld id="{EE4C556E-D11A-48D7-81C0-B1B5323EC136}" type="datetimeFigureOut">
               <a:rPr lang="zh-CN" altLang="en-US" smtClean="0"/>
-              <a:t>2022/4/3</a:t>
+              <a:t>2022/4/6</a:t>
             </a:fld>
             <a:endParaRPr lang="zh-CN" altLang="en-US"/>
           </a:p>
@@ -9919,13 +9919,13 @@
   <p:clrMapOvr>
     <a:masterClrMapping/>
   </p:clrMapOvr>
-  <mc:AlternateContent xmlns:mc="http://schemas.openxmlformats.org/markup-compatibility/2006">
-    <mc:Choice xmlns:p14="http://schemas.microsoft.com/office/powerpoint/2010/main" Requires="p14">
+  <mc:AlternateContent xmlns:mc="http://schemas.openxmlformats.org/markup-compatibility/2006" xmlns:p14="http://schemas.microsoft.com/office/powerpoint/2010/main">
+    <mc:Choice Requires="p14">
       <p:transition spd="slow" p14:dur="1200">
         <p:dissolve/>
       </p:transition>
     </mc:Choice>
-    <mc:Fallback>
+    <mc:Fallback xmlns="">
       <p:transition spd="slow">
         <p:dissolve/>
       </p:transition>
@@ -11274,13 +11274,13 @@
   <p:clrMapOvr>
     <a:masterClrMapping/>
   </p:clrMapOvr>
-  <mc:AlternateContent xmlns:mc="http://schemas.openxmlformats.org/markup-compatibility/2006">
-    <mc:Choice xmlns:p14="http://schemas.microsoft.com/office/powerpoint/2010/main" Requires="p14">
+  <mc:AlternateContent xmlns:mc="http://schemas.openxmlformats.org/markup-compatibility/2006" xmlns:p14="http://schemas.microsoft.com/office/powerpoint/2010/main">
+    <mc:Choice Requires="p14">
       <p:transition spd="slow" p14:dur="1500">
         <p:split orient="vert"/>
       </p:transition>
     </mc:Choice>
-    <mc:Fallback>
+    <mc:Fallback xmlns="">
       <p:transition spd="slow">
         <p:split orient="vert"/>
       </p:transition>
@@ -12012,7 +12012,7 @@
                 <a:latin typeface="字魂27号-布丁体" panose="00000500000000000000" charset="-122"/>
                 <a:ea typeface="字魂27号-布丁体" panose="00000500000000000000" charset="-122"/>
               </a:rPr>
-              <a:t>设计师在进行设计师会节省很多的时间，在设计原型图的过程中，设计师对</a:t>
+              <a:t>设计师在进行设计时会节省很多的时间，在设计原型图的过程中，设计师对</a:t>
             </a:r>
             <a:r>
               <a:rPr lang="en-US" altLang="zh-CN" sz="2400" dirty="0">
@@ -12038,7 +12038,7 @@
                 <a:latin typeface="字魂27号-布丁体" panose="00000500000000000000" charset="-122"/>
                 <a:ea typeface="字魂27号-布丁体" panose="00000500000000000000" charset="-122"/>
               </a:rPr>
-              <a:t>的功能需求会越来越清晰，无需在想产品逻辑的等一些问题，只需要专心的做页面设计就可以了，避免出现不能按时交稿的问题。</a:t>
+              <a:t>的功能需求会越来越清晰，无需再想产品逻辑的等一些问题，只需要专心地做页面设计就可以了，避免出现不能按时交稿的问题。</a:t>
             </a:r>
           </a:p>
           <a:p>
@@ -12073,13 +12073,13 @@
   <p:clrMapOvr>
     <a:masterClrMapping/>
   </p:clrMapOvr>
-  <mc:AlternateContent xmlns:mc="http://schemas.openxmlformats.org/markup-compatibility/2006">
-    <mc:Choice xmlns:p14="http://schemas.microsoft.com/office/powerpoint/2010/main" Requires="p14">
+  <mc:AlternateContent xmlns:mc="http://schemas.openxmlformats.org/markup-compatibility/2006" xmlns:p14="http://schemas.microsoft.com/office/powerpoint/2010/main">
+    <mc:Choice Requires="p14">
       <p:transition spd="slow" p14:dur="1500">
         <p:split orient="vert"/>
       </p:transition>
     </mc:Choice>
-    <mc:Fallback>
+    <mc:Fallback xmlns="">
       <p:transition spd="slow">
         <p:split orient="vert"/>
       </p:transition>
@@ -12850,13 +12850,13 @@
   <p:clrMapOvr>
     <a:masterClrMapping/>
   </p:clrMapOvr>
-  <mc:AlternateContent xmlns:mc="http://schemas.openxmlformats.org/markup-compatibility/2006">
-    <mc:Choice xmlns:p14="http://schemas.microsoft.com/office/powerpoint/2010/main" Requires="p14">
+  <mc:AlternateContent xmlns:mc="http://schemas.openxmlformats.org/markup-compatibility/2006" xmlns:p14="http://schemas.microsoft.com/office/powerpoint/2010/main">
+    <mc:Choice Requires="p14">
       <p:transition spd="slow" p14:dur="1500">
         <p:split orient="vert"/>
       </p:transition>
     </mc:Choice>
-    <mc:Fallback>
+    <mc:Fallback xmlns="">
       <p:transition spd="slow">
         <p:split orient="vert"/>
       </p:transition>
@@ -16183,13 +16183,13 @@
   <p:clrMapOvr>
     <a:masterClrMapping/>
   </p:clrMapOvr>
-  <mc:AlternateContent xmlns:mc="http://schemas.openxmlformats.org/markup-compatibility/2006">
-    <mc:Choice xmlns:p15="http://schemas.microsoft.com/office/powerpoint/2012/main" Requires="p15">
+  <mc:AlternateContent xmlns:mc="http://schemas.openxmlformats.org/markup-compatibility/2006" xmlns:p15="http://schemas.microsoft.com/office/powerpoint/2012/main">
+    <mc:Choice Requires="p15">
       <p:transition xmlns:p14="http://schemas.microsoft.com/office/powerpoint/2010/main" spd="slow" p14:dur="1250">
         <p15:prstTrans prst="peelOff"/>
       </p:transition>
     </mc:Choice>
-    <mc:Fallback>
+    <mc:Fallback xmlns="">
       <p:transition spd="slow">
         <p:fade/>
       </p:transition>
@@ -18176,13 +18176,13 @@
   <p:clrMapOvr>
     <a:masterClrMapping/>
   </p:clrMapOvr>
-  <mc:AlternateContent xmlns:mc="http://schemas.openxmlformats.org/markup-compatibility/2006">
-    <mc:Choice xmlns:p14="http://schemas.microsoft.com/office/powerpoint/2010/main" Requires="p14">
+  <mc:AlternateContent xmlns:mc="http://schemas.openxmlformats.org/markup-compatibility/2006" xmlns:p14="http://schemas.microsoft.com/office/powerpoint/2010/main">
+    <mc:Choice Requires="p14">
       <p:transition spd="slow" p14:dur="1200">
         <p:dissolve/>
       </p:transition>
     </mc:Choice>
-    <mc:Fallback>
+    <mc:Fallback xmlns="">
       <p:transition spd="slow">
         <p:dissolve/>
       </p:transition>
@@ -19206,13 +19206,13 @@
   <p:clrMapOvr>
     <a:masterClrMapping/>
   </p:clrMapOvr>
-  <mc:AlternateContent xmlns:mc="http://schemas.openxmlformats.org/markup-compatibility/2006">
-    <mc:Choice xmlns:p14="http://schemas.microsoft.com/office/powerpoint/2010/main" Requires="p14">
+  <mc:AlternateContent xmlns:mc="http://schemas.openxmlformats.org/markup-compatibility/2006" xmlns:p14="http://schemas.microsoft.com/office/powerpoint/2010/main">
+    <mc:Choice Requires="p14">
       <p:transition spd="slow" p14:dur="1200">
         <p:dissolve/>
       </p:transition>
     </mc:Choice>
-    <mc:Fallback>
+    <mc:Fallback xmlns="">
       <p:transition spd="slow">
         <p:dissolve/>
       </p:transition>
@@ -20369,13 +20369,13 @@
   <p:clrMapOvr>
     <a:masterClrMapping/>
   </p:clrMapOvr>
-  <mc:AlternateContent xmlns:mc="http://schemas.openxmlformats.org/markup-compatibility/2006">
-    <mc:Choice xmlns:p14="http://schemas.microsoft.com/office/powerpoint/2010/main" Requires="p14">
+  <mc:AlternateContent xmlns:mc="http://schemas.openxmlformats.org/markup-compatibility/2006" xmlns:p14="http://schemas.microsoft.com/office/powerpoint/2010/main">
+    <mc:Choice Requires="p14">
       <p:transition spd="slow" p14:dur="1200">
         <p:dissolve/>
       </p:transition>
     </mc:Choice>
-    <mc:Fallback>
+    <mc:Fallback xmlns="">
       <p:transition spd="slow">
         <p:dissolve/>
       </p:transition>
@@ -21951,7 +21951,7 @@
           </a:bodyPr>
           <a:lstStyle/>
           <a:p>
-            <a:pPr algn="dist">
+            <a:pPr algn="ctr">
               <a:defRPr/>
             </a:pPr>
             <a:r>
@@ -21964,7 +21964,7 @@
                 <a:cs typeface="+mn-ea"/>
                 <a:sym typeface="+mn-lt"/>
               </a:rPr>
-              <a:t>其他</a:t>
+              <a:t>其     他</a:t>
             </a:r>
             <a:endParaRPr sz="3200" spc="225" dirty="0">
               <a:solidFill>
@@ -22926,13 +22926,13 @@
   <p:clrMapOvr>
     <a:masterClrMapping/>
   </p:clrMapOvr>
-  <mc:AlternateContent xmlns:mc="http://schemas.openxmlformats.org/markup-compatibility/2006">
-    <mc:Choice xmlns:p14="http://schemas.microsoft.com/office/powerpoint/2010/main" Requires="p14">
+  <mc:AlternateContent xmlns:mc="http://schemas.openxmlformats.org/markup-compatibility/2006" xmlns:p14="http://schemas.microsoft.com/office/powerpoint/2010/main">
+    <mc:Choice Requires="p14">
       <p:transition spd="slow" p14:dur="1200">
         <p:dissolve/>
       </p:transition>
     </mc:Choice>
-    <mc:Fallback>
+    <mc:Fallback xmlns="">
       <p:transition spd="slow">
         <p:dissolve/>
       </p:transition>
@@ -23967,13 +23967,13 @@
   <p:clrMapOvr>
     <a:masterClrMapping/>
   </p:clrMapOvr>
-  <mc:AlternateContent xmlns:mc="http://schemas.openxmlformats.org/markup-compatibility/2006">
-    <mc:Choice xmlns:p14="http://schemas.microsoft.com/office/powerpoint/2010/main" Requires="p14">
+  <mc:AlternateContent xmlns:mc="http://schemas.openxmlformats.org/markup-compatibility/2006" xmlns:p14="http://schemas.microsoft.com/office/powerpoint/2010/main">
+    <mc:Choice Requires="p14">
       <p:transition spd="slow" p14:dur="1200">
         <p:dissolve/>
       </p:transition>
     </mc:Choice>
-    <mc:Fallback>
+    <mc:Fallback xmlns="">
       <p:transition spd="slow">
         <p:dissolve/>
       </p:transition>
@@ -25173,13 +25173,13 @@
   <p:clrMapOvr>
     <a:masterClrMapping/>
   </p:clrMapOvr>
-  <mc:AlternateContent xmlns:mc="http://schemas.openxmlformats.org/markup-compatibility/2006">
-    <mc:Choice xmlns:p14="http://schemas.microsoft.com/office/powerpoint/2010/main" Requires="p14">
+  <mc:AlternateContent xmlns:mc="http://schemas.openxmlformats.org/markup-compatibility/2006" xmlns:p14="http://schemas.microsoft.com/office/powerpoint/2010/main">
+    <mc:Choice Requires="p14">
       <p:transition spd="slow" p14:dur="1200">
         <p:dissolve/>
       </p:transition>
     </mc:Choice>
-    <mc:Fallback>
+    <mc:Fallback xmlns="">
       <p:transition spd="slow">
         <p:dissolve/>
       </p:transition>
@@ -26262,13 +26262,13 @@
   <p:clrMapOvr>
     <a:masterClrMapping/>
   </p:clrMapOvr>
-  <mc:AlternateContent xmlns:mc="http://schemas.openxmlformats.org/markup-compatibility/2006">
-    <mc:Choice xmlns:p14="http://schemas.microsoft.com/office/powerpoint/2010/main" Requires="p14">
+  <mc:AlternateContent xmlns:mc="http://schemas.openxmlformats.org/markup-compatibility/2006" xmlns:p14="http://schemas.microsoft.com/office/powerpoint/2010/main">
+    <mc:Choice Requires="p14">
       <p:transition spd="slow" p14:dur="1200">
         <p:dissolve/>
       </p:transition>
     </mc:Choice>
-    <mc:Fallback>
+    <mc:Fallback xmlns="">
       <p:transition spd="slow">
         <p:dissolve/>
       </p:transition>
@@ -27914,13 +27914,13 @@
   <p:clrMapOvr>
     <a:masterClrMapping/>
   </p:clrMapOvr>
-  <mc:AlternateContent xmlns:mc="http://schemas.openxmlformats.org/markup-compatibility/2006">
-    <mc:Choice xmlns:p14="http://schemas.microsoft.com/office/powerpoint/2010/main" Requires="p14">
+  <mc:AlternateContent xmlns:mc="http://schemas.openxmlformats.org/markup-compatibility/2006" xmlns:p14="http://schemas.microsoft.com/office/powerpoint/2010/main">
+    <mc:Choice Requires="p14">
       <p:transition spd="slow" p14:dur="1200">
         <p:dissolve/>
       </p:transition>
     </mc:Choice>
-    <mc:Fallback>
+    <mc:Fallback xmlns="">
       <p:transition spd="slow">
         <p:dissolve/>
       </p:transition>
@@ -29465,13 +29465,13 @@
   <p:clrMapOvr>
     <a:masterClrMapping/>
   </p:clrMapOvr>
-  <mc:AlternateContent xmlns:mc="http://schemas.openxmlformats.org/markup-compatibility/2006">
-    <mc:Choice xmlns:p14="http://schemas.microsoft.com/office/powerpoint/2010/main" Requires="p14">
+  <mc:AlternateContent xmlns:mc="http://schemas.openxmlformats.org/markup-compatibility/2006" xmlns:p14="http://schemas.microsoft.com/office/powerpoint/2010/main">
+    <mc:Choice Requires="p14">
       <p:transition spd="slow" p14:dur="1200">
         <p:dissolve/>
       </p:transition>
     </mc:Choice>
-    <mc:Fallback>
+    <mc:Fallback xmlns="">
       <p:transition spd="slow">
         <p:dissolve/>
       </p:transition>
@@ -30966,7 +30966,7 @@
           </a:bodyPr>
           <a:lstStyle/>
           <a:p>
-            <a:pPr algn="dist">
+            <a:pPr algn="ctr">
               <a:defRPr/>
             </a:pPr>
             <a:r>
@@ -31058,13 +31058,13 @@
   <p:clrMapOvr>
     <a:masterClrMapping/>
   </p:clrMapOvr>
-  <mc:AlternateContent xmlns:mc="http://schemas.openxmlformats.org/markup-compatibility/2006">
-    <mc:Choice xmlns:p15="http://schemas.microsoft.com/office/powerpoint/2012/main" Requires="p15">
+  <mc:AlternateContent xmlns:mc="http://schemas.openxmlformats.org/markup-compatibility/2006" xmlns:p15="http://schemas.microsoft.com/office/powerpoint/2012/main">
+    <mc:Choice Requires="p15">
       <p:transition xmlns:p14="http://schemas.microsoft.com/office/powerpoint/2010/main" spd="slow" p14:dur="1250">
         <p15:prstTrans prst="peelOff"/>
       </p:transition>
     </mc:Choice>
-    <mc:Fallback>
+    <mc:Fallback xmlns="">
       <p:transition spd="slow">
         <p:fade/>
       </p:transition>
@@ -31624,13 +31624,13 @@
   <p:clrMapOvr>
     <a:masterClrMapping/>
   </p:clrMapOvr>
-  <mc:AlternateContent xmlns:mc="http://schemas.openxmlformats.org/markup-compatibility/2006">
-    <mc:Choice xmlns:p14="http://schemas.microsoft.com/office/powerpoint/2010/main" Requires="p14">
+  <mc:AlternateContent xmlns:mc="http://schemas.openxmlformats.org/markup-compatibility/2006" xmlns:p14="http://schemas.microsoft.com/office/powerpoint/2010/main">
+    <mc:Choice Requires="p14">
       <p:transition spd="slow" p14:dur="1200">
         <p:dissolve/>
       </p:transition>
     </mc:Choice>
-    <mc:Fallback>
+    <mc:Fallback xmlns="">
       <p:transition spd="slow">
         <p:dissolve/>
       </p:transition>
@@ -32387,13 +32387,13 @@
   <p:clrMapOvr>
     <a:masterClrMapping/>
   </p:clrMapOvr>
-  <mc:AlternateContent xmlns:mc="http://schemas.openxmlformats.org/markup-compatibility/2006">
-    <mc:Choice xmlns:p14="http://schemas.microsoft.com/office/powerpoint/2010/main" Requires="p14">
+  <mc:AlternateContent xmlns:mc="http://schemas.openxmlformats.org/markup-compatibility/2006" xmlns:p14="http://schemas.microsoft.com/office/powerpoint/2010/main">
+    <mc:Choice Requires="p14">
       <p:transition spd="slow" p14:dur="1200">
         <p:dissolve/>
       </p:transition>
     </mc:Choice>
-    <mc:Fallback>
+    <mc:Fallback xmlns="">
       <p:transition spd="slow">
         <p:dissolve/>
       </p:transition>
@@ -33110,13 +33110,13 @@
   <p:clrMapOvr>
     <a:masterClrMapping/>
   </p:clrMapOvr>
-  <mc:AlternateContent xmlns:mc="http://schemas.openxmlformats.org/markup-compatibility/2006">
-    <mc:Choice xmlns:p14="http://schemas.microsoft.com/office/powerpoint/2010/main" Requires="p14">
+  <mc:AlternateContent xmlns:mc="http://schemas.openxmlformats.org/markup-compatibility/2006" xmlns:p14="http://schemas.microsoft.com/office/powerpoint/2010/main">
+    <mc:Choice Requires="p14">
       <p:transition spd="slow" p14:dur="1200">
         <p:dissolve/>
       </p:transition>
     </mc:Choice>
-    <mc:Fallback>
+    <mc:Fallback xmlns="">
       <p:transition spd="slow">
         <p:dissolve/>
       </p:transition>
@@ -35209,13 +35209,13 @@
   <p:clrMapOvr>
     <a:masterClrMapping/>
   </p:clrMapOvr>
-  <mc:AlternateContent xmlns:mc="http://schemas.openxmlformats.org/markup-compatibility/2006">
-    <mc:Choice xmlns:p14="http://schemas.microsoft.com/office/powerpoint/2010/main" Requires="p14">
+  <mc:AlternateContent xmlns:mc="http://schemas.openxmlformats.org/markup-compatibility/2006" xmlns:p14="http://schemas.microsoft.com/office/powerpoint/2010/main">
+    <mc:Choice Requires="p14">
       <p:transition spd="slow" p14:dur="1200">
         <p:dissolve/>
       </p:transition>
     </mc:Choice>
-    <mc:Fallback>
+    <mc:Fallback xmlns="">
       <p:transition spd="slow">
         <p:dissolve/>
       </p:transition>
@@ -36613,13 +36613,13 @@
   <p:clrMapOvr>
     <a:masterClrMapping/>
   </p:clrMapOvr>
-  <mc:AlternateContent xmlns:mc="http://schemas.openxmlformats.org/markup-compatibility/2006">
-    <mc:Choice xmlns:p14="http://schemas.microsoft.com/office/powerpoint/2010/main" Requires="p14">
+  <mc:AlternateContent xmlns:mc="http://schemas.openxmlformats.org/markup-compatibility/2006" xmlns:p14="http://schemas.microsoft.com/office/powerpoint/2010/main">
+    <mc:Choice Requires="p14">
       <p:transition spd="slow" p14:dur="1200">
         <p:dissolve/>
       </p:transition>
     </mc:Choice>
-    <mc:Fallback>
+    <mc:Fallback xmlns="">
       <p:transition spd="slow">
         <p:dissolve/>
       </p:transition>
@@ -42725,7 +42725,7 @@
                 <a:latin typeface="字魂27号-布丁体" panose="00000500000000000000" charset="-122"/>
                 <a:ea typeface="字魂27号-布丁体" panose="00000500000000000000" charset="-122"/>
               </a:rPr>
-              <a:t>很多项目中，您需要按上述顺序使用全部三种原型。</a:t>
+              <a:t>很多项目中，需要按上述顺序使用全部三种原型。</a:t>
             </a:r>
           </a:p>
           <a:p>
@@ -43574,7 +43574,7 @@
                 <a:latin typeface="字魂27号-布丁体" panose="00000500000000000000" charset="-122"/>
                 <a:ea typeface="字魂27号-布丁体" panose="00000500000000000000" charset="-122"/>
               </a:rPr>
-              <a:t>。这样，您可以在将太多时间与资源投入开发活动之前，确保所构建的系统是正确的。</a:t>
+              <a:t>。这样，可以在将太多时间与资源投入开发活动之前，确保所构建的系统是正确的。</a:t>
             </a:r>
           </a:p>
           <a:p>

--- a/翻转课堂4.pptx
+++ b/翻转课堂4.pptx
@@ -7300,7 +7300,16 @@
                 <a:cs typeface="+mn-ea"/>
                 <a:sym typeface="+mn-lt"/>
               </a:rPr>
-              <a:t>吴联想 王义博 郑航舰 许淇凯 陈文宇</a:t>
+              <a:t>吴联想 王义博 郑航舰 </a:t>
+            </a:r>
+            <a:r>
+              <a:rPr lang="zh-CN" altLang="en-US" sz="1400" spc="225">
+                <a:latin typeface="字魂58号-创中黑" panose="00000500000000000000" pitchFamily="2" charset="-122"/>
+                <a:ea typeface="字魂58号-创中黑" panose="00000500000000000000" pitchFamily="2" charset="-122"/>
+                <a:cs typeface="+mn-ea"/>
+                <a:sym typeface="+mn-lt"/>
+              </a:rPr>
+              <a:t>许淇凯 潘睿琪</a:t>
             </a:r>
             <a:endParaRPr sz="1400" spc="225" dirty="0">
               <a:latin typeface="字魂58号-创中黑" panose="00000500000000000000" pitchFamily="2" charset="-122"/>
